--- a/polysurf_performance.pptx
+++ b/polysurf_performance.pptx
@@ -111,7 +111,7 @@
   </p:defaultTextStyle>
   <p:extLst>
     <p:ext uri="{EFAFB233-063F-42B5-8137-9DF3F51BA10A}">
-      <p15:sldGuideLst xmlns:p15="http://schemas.microsoft.com/office/powerpoint/2012/main" xmlns="">
+      <p15:sldGuideLst xmlns="" xmlns:p15="http://schemas.microsoft.com/office/powerpoint/2012/main">
         <p15:guide id="1" orient="horz" pos="2160" userDrawn="1">
           <p15:clr>
             <a:srgbClr val="A4A3A4"/>
@@ -379,7 +379,7 @@
     </p:spTree>
     <p:extLst>
       <p:ext uri="{BB962C8B-B14F-4D97-AF65-F5344CB8AC3E}">
-        <p14:creationId xmlns:p14="http://schemas.microsoft.com/office/powerpoint/2010/main" xmlns="" val="2258581259"/>
+        <p14:creationId xmlns="" xmlns:p14="http://schemas.microsoft.com/office/powerpoint/2010/main" val="2258581259"/>
       </p:ext>
     </p:extLst>
   </p:cSld>
@@ -664,7 +664,7 @@
     </p:spTree>
     <p:extLst>
       <p:ext uri="{BB962C8B-B14F-4D97-AF65-F5344CB8AC3E}">
-        <p14:creationId xmlns:p14="http://schemas.microsoft.com/office/powerpoint/2010/main" xmlns="" val="1266397091"/>
+        <p14:creationId xmlns="" xmlns:p14="http://schemas.microsoft.com/office/powerpoint/2010/main" val="1266397091"/>
       </p:ext>
     </p:extLst>
   </p:cSld>
@@ -837,7 +837,7 @@
     </p:spTree>
     <p:extLst>
       <p:ext uri="{BB962C8B-B14F-4D97-AF65-F5344CB8AC3E}">
-        <p14:creationId xmlns:p14="http://schemas.microsoft.com/office/powerpoint/2010/main" xmlns="" val="1899867491"/>
+        <p14:creationId xmlns="" xmlns:p14="http://schemas.microsoft.com/office/powerpoint/2010/main" val="1899867491"/>
       </p:ext>
     </p:extLst>
   </p:cSld>
@@ -1020,7 +1020,7 @@
     </p:spTree>
     <p:extLst>
       <p:ext uri="{BB962C8B-B14F-4D97-AF65-F5344CB8AC3E}">
-        <p14:creationId xmlns:p14="http://schemas.microsoft.com/office/powerpoint/2010/main" xmlns="" val="1161062177"/>
+        <p14:creationId xmlns="" xmlns:p14="http://schemas.microsoft.com/office/powerpoint/2010/main" val="1161062177"/>
       </p:ext>
     </p:extLst>
   </p:cSld>
@@ -1193,7 +1193,7 @@
     </p:spTree>
     <p:extLst>
       <p:ext uri="{BB962C8B-B14F-4D97-AF65-F5344CB8AC3E}">
-        <p14:creationId xmlns:p14="http://schemas.microsoft.com/office/powerpoint/2010/main" xmlns="" val="48684313"/>
+        <p14:creationId xmlns="" xmlns:p14="http://schemas.microsoft.com/office/powerpoint/2010/main" val="48684313"/>
       </p:ext>
     </p:extLst>
   </p:cSld>
@@ -1443,7 +1443,7 @@
     </p:spTree>
     <p:extLst>
       <p:ext uri="{BB962C8B-B14F-4D97-AF65-F5344CB8AC3E}">
-        <p14:creationId xmlns:p14="http://schemas.microsoft.com/office/powerpoint/2010/main" xmlns="" val="905630785"/>
+        <p14:creationId xmlns="" xmlns:p14="http://schemas.microsoft.com/office/powerpoint/2010/main" val="905630785"/>
       </p:ext>
     </p:extLst>
   </p:cSld>
@@ -1677,7 +1677,7 @@
     </p:spTree>
     <p:extLst>
       <p:ext uri="{BB962C8B-B14F-4D97-AF65-F5344CB8AC3E}">
-        <p14:creationId xmlns:p14="http://schemas.microsoft.com/office/powerpoint/2010/main" xmlns="" val="396142618"/>
+        <p14:creationId xmlns="" xmlns:p14="http://schemas.microsoft.com/office/powerpoint/2010/main" val="396142618"/>
       </p:ext>
     </p:extLst>
   </p:cSld>
@@ -2046,7 +2046,7 @@
     </p:spTree>
     <p:extLst>
       <p:ext uri="{BB962C8B-B14F-4D97-AF65-F5344CB8AC3E}">
-        <p14:creationId xmlns:p14="http://schemas.microsoft.com/office/powerpoint/2010/main" xmlns="" val="2351111464"/>
+        <p14:creationId xmlns="" xmlns:p14="http://schemas.microsoft.com/office/powerpoint/2010/main" val="2351111464"/>
       </p:ext>
     </p:extLst>
   </p:cSld>
@@ -2168,7 +2168,7 @@
     </p:spTree>
     <p:extLst>
       <p:ext uri="{BB962C8B-B14F-4D97-AF65-F5344CB8AC3E}">
-        <p14:creationId xmlns:p14="http://schemas.microsoft.com/office/powerpoint/2010/main" xmlns="" val="4004479925"/>
+        <p14:creationId xmlns="" xmlns:p14="http://schemas.microsoft.com/office/powerpoint/2010/main" val="4004479925"/>
       </p:ext>
     </p:extLst>
   </p:cSld>
@@ -2268,7 +2268,7 @@
     </p:spTree>
     <p:extLst>
       <p:ext uri="{BB962C8B-B14F-4D97-AF65-F5344CB8AC3E}">
-        <p14:creationId xmlns:p14="http://schemas.microsoft.com/office/powerpoint/2010/main" xmlns="" val="3218249889"/>
+        <p14:creationId xmlns="" xmlns:p14="http://schemas.microsoft.com/office/powerpoint/2010/main" val="3218249889"/>
       </p:ext>
     </p:extLst>
   </p:cSld>
@@ -2548,7 +2548,7 @@
     </p:spTree>
     <p:extLst>
       <p:ext uri="{BB962C8B-B14F-4D97-AF65-F5344CB8AC3E}">
-        <p14:creationId xmlns:p14="http://schemas.microsoft.com/office/powerpoint/2010/main" xmlns="" val="2750755787"/>
+        <p14:creationId xmlns="" xmlns:p14="http://schemas.microsoft.com/office/powerpoint/2010/main" val="2750755787"/>
       </p:ext>
     </p:extLst>
   </p:cSld>
@@ -2805,7 +2805,7 @@
     </p:spTree>
     <p:extLst>
       <p:ext uri="{BB962C8B-B14F-4D97-AF65-F5344CB8AC3E}">
-        <p14:creationId xmlns:p14="http://schemas.microsoft.com/office/powerpoint/2010/main" xmlns="" val="2659794417"/>
+        <p14:creationId xmlns="" xmlns:p14="http://schemas.microsoft.com/office/powerpoint/2010/main" val="2659794417"/>
       </p:ext>
     </p:extLst>
   </p:cSld>
@@ -3057,7 +3057,7 @@
     </p:spTree>
     <p:extLst>
       <p:ext uri="{BB962C8B-B14F-4D97-AF65-F5344CB8AC3E}">
-        <p14:creationId xmlns:p14="http://schemas.microsoft.com/office/powerpoint/2010/main" xmlns="" val="4123812620"/>
+        <p14:creationId xmlns="" xmlns:p14="http://schemas.microsoft.com/office/powerpoint/2010/main" val="4123812620"/>
       </p:ext>
     </p:extLst>
   </p:cSld>
@@ -3554,7 +3554,7 @@
     </p:spTree>
     <p:extLst>
       <p:ext uri="{BB962C8B-B14F-4D97-AF65-F5344CB8AC3E}">
-        <p14:creationId xmlns:p14="http://schemas.microsoft.com/office/powerpoint/2010/main" xmlns="" val="2866040484"/>
+        <p14:creationId xmlns="" xmlns:p14="http://schemas.microsoft.com/office/powerpoint/2010/main" val="2866040484"/>
       </p:ext>
     </p:extLst>
   </p:cSld>
@@ -3704,6 +3704,10 @@
             <a:pPr marL="0" indent="0"/>
             <a:r>
               <a:rPr lang="sv-SE" sz="2400" dirty="0" smtClean="0"/>
+              <a:t> </a:t>
+            </a:r>
+            <a:r>
+              <a:rPr lang="sv-SE" sz="2400" dirty="0" smtClean="0"/>
               <a:t> The </a:t>
             </a:r>
             <a:r>
@@ -3841,7 +3845,7 @@
     </p:spTree>
     <p:extLst>
       <p:ext uri="{BB962C8B-B14F-4D97-AF65-F5344CB8AC3E}">
-        <p14:creationId xmlns:p14="http://schemas.microsoft.com/office/powerpoint/2010/main" xmlns="" val="1744321847"/>
+        <p14:creationId xmlns="" xmlns:p14="http://schemas.microsoft.com/office/powerpoint/2010/main" val="1744321847"/>
       </p:ext>
     </p:extLst>
   </p:cSld>
@@ -3971,7 +3975,6 @@
           </a:bodyPr>
           <a:lstStyle/>
           <a:p>
-            <a:pPr algn="just"/>
             <a:r>
               <a:rPr lang="sv-SE" sz="2400" dirty="0" smtClean="0"/>
               <a:t>The </a:t>
@@ -4038,11 +4041,7 @@
             </a:r>
             <a:r>
               <a:rPr lang="sv-SE" sz="2400" dirty="0" smtClean="0"/>
-              <a:t>. </a:t>
-            </a:r>
-            <a:r>
-              <a:rPr lang="sv-SE" sz="2400" dirty="0" smtClean="0"/>
-              <a:t>The </a:t>
+              <a:t>. The </a:t>
             </a:r>
             <a:r>
               <a:rPr lang="sv-SE" sz="2400" dirty="0" err="1" smtClean="0"/>
@@ -4058,11 +4057,7 @@
             </a:r>
             <a:r>
               <a:rPr lang="sv-SE" sz="2400" dirty="0" smtClean="0"/>
-              <a:t> </a:t>
-            </a:r>
-            <a:r>
-              <a:rPr lang="sv-SE" sz="2400" dirty="0" smtClean="0"/>
-              <a:t>in the X-, Y- and </a:t>
+              <a:t> in the X-, Y- and </a:t>
             </a:r>
             <a:r>
               <a:rPr lang="sv-SE" sz="2400" dirty="0" err="1" smtClean="0"/>
@@ -4086,15 +4081,15 @@
             </a:r>
             <a:r>
               <a:rPr lang="sv-SE" sz="2400" dirty="0" smtClean="0"/>
-              <a:t> small, in </a:t>
+              <a:t> small, in the order </a:t>
             </a:r>
             <a:r>
               <a:rPr lang="sv-SE" sz="2400" dirty="0" smtClean="0"/>
-              <a:t>the order or 10^-</a:t>
+              <a:t>of </a:t>
             </a:r>
             <a:r>
               <a:rPr lang="sv-SE" sz="2400" dirty="0" smtClean="0"/>
-              <a:t>5, </a:t>
+              <a:t>10^-5, </a:t>
             </a:r>
             <a:r>
               <a:rPr lang="sv-SE" sz="2400" b="1" dirty="0" smtClean="0"/>
@@ -4130,7 +4125,7 @@
             </a:r>
             <a:r>
               <a:rPr lang="sv-SE" sz="2400" dirty="0" smtClean="0"/>
-              <a:t> in ”</a:t>
+              <a:t> in  ”</a:t>
             </a:r>
             <a:r>
               <a:rPr lang="sv-SE" sz="2400" dirty="0" err="1" smtClean="0"/>
@@ -4204,7 +4199,7 @@
     </p:spTree>
     <p:extLst>
       <p:ext uri="{BB962C8B-B14F-4D97-AF65-F5344CB8AC3E}">
-        <p14:creationId xmlns:p14="http://schemas.microsoft.com/office/powerpoint/2010/main" xmlns="" val="1744321847"/>
+        <p14:creationId xmlns="" xmlns:p14="http://schemas.microsoft.com/office/powerpoint/2010/main" val="1744321847"/>
       </p:ext>
     </p:extLst>
   </p:cSld>
@@ -4503,7 +4498,7 @@
   <a:extraClrSchemeLst/>
   <a:extLst>
     <a:ext uri="{05A4C25C-085E-4340-85A3-A5531E510DB2}">
-      <thm15:themeFamily xmlns:thm15="http://schemas.microsoft.com/office/thememl/2012/main" xmlns="" name="Office Theme" id="{62F939B6-93AF-4DB8-9C6B-D6C7DFDC589F}" vid="{4A3C46E8-61CC-4603-A589-7422A47A8E4A}"/>
+      <thm15:themeFamily xmlns="" xmlns:thm15="http://schemas.microsoft.com/office/thememl/2012/main" name="Office Theme" id="{62F939B6-93AF-4DB8-9C6B-D6C7DFDC589F}" vid="{4A3C46E8-61CC-4603-A589-7422A47A8E4A}"/>
     </a:ext>
   </a:extLst>
 </a:theme>
@@ -4798,7 +4793,7 @@
   <a:extraClrSchemeLst/>
   <a:extLst>
     <a:ext uri="{05A4C25C-085E-4340-85A3-A5531E510DB2}">
-      <thm15:themeFamily xmlns:thm15="http://schemas.microsoft.com/office/thememl/2012/main" xmlns="" name="Office Theme" id="{62F939B6-93AF-4DB8-9C6B-D6C7DFDC589F}" vid="{4A3C46E8-61CC-4603-A589-7422A47A8E4A}"/>
+      <thm15:themeFamily xmlns="" xmlns:thm15="http://schemas.microsoft.com/office/thememl/2012/main" name="Office Theme" id="{62F939B6-93AF-4DB8-9C6B-D6C7DFDC589F}" vid="{4A3C46E8-61CC-4603-A589-7422A47A8E4A}"/>
     </a:ext>
   </a:extLst>
 </a:theme>
